--- a/Презентация AI(недовършена).pptx
+++ b/Презентация AI(недовършена).pptx
@@ -8,9 +8,11 @@
     <p:sldId id="256" r:id="rId2"/>
     <p:sldId id="257" r:id="rId3"/>
     <p:sldId id="258" r:id="rId4"/>
-    <p:sldId id="259" r:id="rId5"/>
-    <p:sldId id="260" r:id="rId6"/>
-    <p:sldId id="261" r:id="rId7"/>
+    <p:sldId id="262" r:id="rId5"/>
+    <p:sldId id="263" r:id="rId6"/>
+    <p:sldId id="259" r:id="rId7"/>
+    <p:sldId id="260" r:id="rId8"/>
+    <p:sldId id="261" r:id="rId9"/>
   </p:sldIdLst>
   <p:sldSz cx="12192000" cy="6858000"/>
   <p:notesSz cx="6858000" cy="9144000"/>
@@ -3446,10 +3448,10 @@
         <a:lstStyle/>
         <a:p>
           <a:r>
-            <a:rPr lang="bg-BG"/>
-            <a:t>- Не засяга теми обвързани със здравословни проблеми</a:t>
+            <a:rPr lang="bg-BG" dirty="0"/>
+            <a:t>-Улеснения интерфейс осигурява бързо и безпроблемно използване</a:t>
           </a:r>
-          <a:endParaRPr lang="en-US"/>
+          <a:endParaRPr lang="en-US" dirty="0"/>
         </a:p>
       </dgm:t>
     </dgm:pt>
@@ -3484,7 +3486,15 @@
         <a:p>
           <a:r>
             <a:rPr lang="bg-BG" dirty="0"/>
-            <a:t>-  </a:t>
+            <a:t>-  Улеснява избора ни</a:t>
+          </a:r>
+          <a:r>
+            <a:rPr lang="en-US" dirty="0"/>
+            <a:t> </a:t>
+          </a:r>
+          <a:r>
+            <a:rPr lang="bg-BG" dirty="0"/>
+            <a:t>на филм</a:t>
           </a:r>
           <a:endParaRPr lang="en-US" dirty="0"/>
         </a:p>
@@ -4658,10 +4668,10 @@
             <a:buNone/>
           </a:pPr>
           <a:r>
-            <a:rPr lang="bg-BG" sz="2200" kern="1200"/>
-            <a:t>- Не засяга теми обвързани със здравословни проблеми</a:t>
+            <a:rPr lang="bg-BG" sz="2200" kern="1200" dirty="0"/>
+            <a:t>-Улеснения интерфейс осигурява бързо и безпроблемно използване</a:t>
           </a:r>
-          <a:endParaRPr lang="en-US" sz="2200" kern="1200"/>
+          <a:endParaRPr lang="en-US" sz="2200" kern="1200" dirty="0"/>
         </a:p>
       </dsp:txBody>
       <dsp:txXfrm>
@@ -4740,7 +4750,15 @@
           </a:pPr>
           <a:r>
             <a:rPr lang="bg-BG" sz="2200" kern="1200" dirty="0"/>
-            <a:t>-  </a:t>
+            <a:t>-  Улеснява избора ни</a:t>
+          </a:r>
+          <a:r>
+            <a:rPr lang="en-US" sz="2200" kern="1200" dirty="0"/>
+            <a:t> </a:t>
+          </a:r>
+          <a:r>
+            <a:rPr lang="bg-BG" sz="2200" kern="1200" dirty="0"/>
+            <a:t>на филм</a:t>
           </a:r>
           <a:endParaRPr lang="en-US" sz="2200" kern="1200" dirty="0"/>
         </a:p>
@@ -12188,7 +12206,7 @@
           <a:p>
             <a:fld id="{23FEA57E-7C1A-457B-A4CD-5DCEB057B502}" type="datetime1">
               <a:rPr lang="en-US" smtClean="0"/>
-              <a:t>6/15/2022</a:t>
+              <a:t>6/16/2022</a:t>
             </a:fld>
             <a:endParaRPr lang="en-US" dirty="0"/>
           </a:p>
@@ -12391,7 +12409,7 @@
           <a:p>
             <a:fld id="{11789749-A4CD-447F-8298-2B7988C91CEA}" type="datetime1">
               <a:rPr lang="en-US" smtClean="0"/>
-              <a:t>6/15/2022</a:t>
+              <a:t>6/16/2022</a:t>
             </a:fld>
             <a:endParaRPr lang="en-US"/>
           </a:p>
@@ -12602,7 +12620,7 @@
           <a:p>
             <a:fld id="{BA0444D3-C0BA-4587-A56C-581AB9F841BE}" type="datetime1">
               <a:rPr lang="en-US" smtClean="0"/>
-              <a:t>6/15/2022</a:t>
+              <a:t>6/16/2022</a:t>
             </a:fld>
             <a:endParaRPr lang="en-US"/>
           </a:p>
@@ -12816,7 +12834,7 @@
           <a:p>
             <a:fld id="{201AF2CE-4F37-411C-A3EE-BBBE223265BF}" type="datetime1">
               <a:rPr lang="en-US" smtClean="0"/>
-              <a:t>6/15/2022</a:t>
+              <a:t>6/16/2022</a:t>
             </a:fld>
             <a:endParaRPr lang="en-US"/>
           </a:p>
@@ -13097,7 +13115,7 @@
           <a:p>
             <a:fld id="{C96083D4-708C-4BB5-B4FD-30CE9FA12FD5}" type="datetime1">
               <a:rPr lang="en-US" smtClean="0"/>
-              <a:t>6/15/2022</a:t>
+              <a:t>6/16/2022</a:t>
             </a:fld>
             <a:endParaRPr lang="en-US"/>
           </a:p>
@@ -13377,7 +13395,7 @@
           <a:p>
             <a:fld id="{D0D239B2-65BC-4C2A-A62B-3EABFE9590E4}" type="datetime1">
               <a:rPr lang="en-US" smtClean="0"/>
-              <a:t>6/15/2022</a:t>
+              <a:t>6/16/2022</a:t>
             </a:fld>
             <a:endParaRPr lang="en-US"/>
           </a:p>
@@ -13799,7 +13817,7 @@
           <a:p>
             <a:fld id="{85E05F5A-E4A3-476F-A89E-C2B73F2431E4}" type="datetime1">
               <a:rPr lang="en-US" smtClean="0"/>
-              <a:t>6/15/2022</a:t>
+              <a:t>6/16/2022</a:t>
             </a:fld>
             <a:endParaRPr lang="en-US"/>
           </a:p>
@@ -13944,7 +13962,7 @@
           <a:p>
             <a:fld id="{E3761515-4A26-4F31-9F61-5A10B1FABBFC}" type="datetime1">
               <a:rPr lang="en-US" smtClean="0"/>
-              <a:t>6/15/2022</a:t>
+              <a:t>6/16/2022</a:t>
             </a:fld>
             <a:endParaRPr lang="en-US"/>
           </a:p>
@@ -14060,7 +14078,7 @@
           <a:p>
             <a:fld id="{4A75DC65-7D1F-4BAB-9695-F7E734143E14}" type="datetime1">
               <a:rPr lang="en-US" smtClean="0"/>
-              <a:t>6/15/2022</a:t>
+              <a:t>6/16/2022</a:t>
             </a:fld>
             <a:endParaRPr lang="en-US"/>
           </a:p>
@@ -14374,7 +14392,7 @@
           <a:p>
             <a:fld id="{7E624077-BD55-4036-8E92-6558FDF3B653}" type="datetime1">
               <a:rPr lang="en-US" smtClean="0"/>
-              <a:t>6/15/2022</a:t>
+              <a:t>6/16/2022</a:t>
             </a:fld>
             <a:endParaRPr lang="en-US"/>
           </a:p>
@@ -14668,7 +14686,7 @@
           <a:p>
             <a:fld id="{804225F2-7107-4609-BCC2-77C63064A5E8}" type="datetime1">
               <a:rPr lang="en-US" smtClean="0"/>
-              <a:t>6/15/2022</a:t>
+              <a:t>6/16/2022</a:t>
             </a:fld>
             <a:endParaRPr lang="en-US"/>
           </a:p>
@@ -14916,7 +14934,7 @@
           <a:p>
             <a:fld id="{D3FE42E8-8B57-452D-A122-4DCE9AC771EF}" type="datetime1">
               <a:rPr lang="en-US" smtClean="0"/>
-              <a:t>6/15/2022</a:t>
+              <a:t>6/16/2022</a:t>
             </a:fld>
             <a:endParaRPr lang="en-US"/>
           </a:p>
@@ -15736,8 +15754,8 @@
         </p:nvSpPr>
         <p:spPr>
           <a:xfrm>
-            <a:off x="1371600" y="1371600"/>
-            <a:ext cx="2705100" cy="4114800"/>
+            <a:off x="1134967" y="1371600"/>
+            <a:ext cx="3178366" cy="4114800"/>
           </a:xfrm>
         </p:spPr>
         <p:txBody>
@@ -15774,7 +15792,7 @@
             <p:ph idx="1"/>
             <p:extLst>
               <p:ext uri="{D42A27DB-BD31-4B8C-83A1-F6EECF244321}">
-                <p14:modId xmlns:p14="http://schemas.microsoft.com/office/powerpoint/2010/main" val="3775512102"/>
+                <p14:modId xmlns:p14="http://schemas.microsoft.com/office/powerpoint/2010/main" val="3822808939"/>
               </p:ext>
             </p:extLst>
           </p:nvPr>
@@ -16007,6 +16025,878 @@
           <a:chExt cx="0" cy="0"/>
         </a:xfrm>
       </p:grpSpPr>
+      <p:sp useBgFill="1">
+        <p:nvSpPr>
+          <p:cNvPr id="28" name="Rectangle 23">
+            <a:extLst>
+              <a:ext uri="{FF2B5EF4-FFF2-40B4-BE49-F238E27FC236}">
+                <a16:creationId xmlns:a16="http://schemas.microsoft.com/office/drawing/2014/main" id="{ABA4CF21-C02E-4269-99AB-BFF5F2BDB9DA}"/>
+              </a:ext>
+              <a:ext uri="{C183D7F6-B498-43B3-948B-1728B52AA6E4}">
+                <adec:decorative xmlns:adec="http://schemas.microsoft.com/office/drawing/2017/decorative" val="1"/>
+              </a:ext>
+            </a:extLst>
+          </p:cNvPr>
+          <p:cNvSpPr>
+            <a:spLocks noGrp="1" noRot="1" noChangeAspect="1" noMove="1" noResize="1" noEditPoints="1" noAdjustHandles="1" noChangeArrowheads="1" noChangeShapeType="1" noTextEdit="1"/>
+          </p:cNvSpPr>
+          <p:nvPr>
+            <p:extLst>
+              <p:ext uri="{386F3935-93C4-4BCD-93E2-E3B085C9AB24}">
+                <p16:designElem xmlns:p16="http://schemas.microsoft.com/office/powerpoint/2015/main" val="1"/>
+              </p:ext>
+            </p:extLst>
+          </p:nvPr>
+        </p:nvSpPr>
+        <p:spPr>
+          <a:xfrm>
+            <a:off x="0" y="0"/>
+            <a:ext cx="12192000" cy="6858000"/>
+          </a:xfrm>
+          <a:prstGeom prst="rect">
+            <a:avLst/>
+          </a:prstGeom>
+          <a:ln w="12700" cap="flat" cmpd="sng" algn="ctr">
+            <a:noFill/>
+            <a:prstDash val="solid"/>
+            <a:miter lim="800000"/>
+          </a:ln>
+          <a:effectLst/>
+          <a:extLst>
+            <a:ext uri="{91240B29-F687-4F45-9708-019B960494DF}">
+              <a14:hiddenLine xmlns:a14="http://schemas.microsoft.com/office/drawing/2010/main" w="12700" cap="flat" cmpd="sng" algn="ctr">
+                <a:solidFill>
+                  <a:schemeClr val="accent1">
+                    <a:shade val="50000"/>
+                  </a:schemeClr>
+                </a:solidFill>
+                <a:prstDash val="solid"/>
+                <a:miter lim="800000"/>
+              </a14:hiddenLine>
+            </a:ext>
+          </a:extLst>
+        </p:spPr>
+        <p:style>
+          <a:lnRef idx="2">
+            <a:schemeClr val="accent1">
+              <a:shade val="50000"/>
+            </a:schemeClr>
+          </a:lnRef>
+          <a:fillRef idx="1">
+            <a:schemeClr val="accent1"/>
+          </a:fillRef>
+          <a:effectRef idx="0">
+            <a:schemeClr val="accent1"/>
+          </a:effectRef>
+          <a:fontRef idx="minor">
+            <a:schemeClr val="lt1"/>
+          </a:fontRef>
+        </p:style>
+        <p:txBody>
+          <a:bodyPr rtlCol="0" anchor="ctr"/>
+          <a:lstStyle/>
+          <a:p>
+            <a:pPr algn="ctr"/>
+            <a:endParaRPr lang="en-US"/>
+          </a:p>
+        </p:txBody>
+      </p:sp>
+      <p:sp>
+        <p:nvSpPr>
+          <p:cNvPr id="2" name="Title 1">
+            <a:extLst>
+              <a:ext uri="{FF2B5EF4-FFF2-40B4-BE49-F238E27FC236}">
+                <a16:creationId xmlns:a16="http://schemas.microsoft.com/office/drawing/2014/main" id="{4BAB6FF4-EEDE-A644-8897-20FC6DEA862F}"/>
+              </a:ext>
+            </a:extLst>
+          </p:cNvPr>
+          <p:cNvSpPr>
+            <a:spLocks noGrp="1"/>
+          </p:cNvSpPr>
+          <p:nvPr>
+            <p:ph type="title"/>
+          </p:nvPr>
+        </p:nvSpPr>
+        <p:spPr>
+          <a:xfrm>
+            <a:off x="698528" y="685799"/>
+            <a:ext cx="2692372" cy="5486401"/>
+          </a:xfrm>
+        </p:spPr>
+        <p:txBody>
+          <a:bodyPr vert="horz" lIns="91440" tIns="45720" rIns="91440" bIns="45720" rtlCol="0" anchor="ctr">
+            <a:normAutofit/>
+          </a:bodyPr>
+          <a:lstStyle/>
+          <a:p>
+            <a:pPr algn="ctr"/>
+            <a:r>
+              <a:rPr lang="en-US" sz="2700" kern="1200" cap="all" spc="300" baseline="0" dirty="0">
+                <a:latin typeface="+mj-lt"/>
+                <a:ea typeface="+mj-ea"/>
+                <a:cs typeface="+mj-cs"/>
+              </a:rPr>
+              <a:t>TKINTER – </a:t>
+            </a:r>
+            <a:r>
+              <a:rPr lang="en-US" sz="2700" kern="1200" cap="all" spc="300" baseline="0" dirty="0" err="1">
+                <a:latin typeface="+mj-lt"/>
+                <a:ea typeface="+mj-ea"/>
+                <a:cs typeface="+mj-cs"/>
+              </a:rPr>
+              <a:t>Графичен</a:t>
+            </a:r>
+            <a:r>
+              <a:rPr lang="en-US" sz="2700" kern="1200" cap="all" spc="300" baseline="0" dirty="0">
+                <a:latin typeface="+mj-lt"/>
+                <a:ea typeface="+mj-ea"/>
+                <a:cs typeface="+mj-cs"/>
+              </a:rPr>
+              <a:t> </a:t>
+            </a:r>
+            <a:r>
+              <a:rPr lang="en-US" sz="2700" kern="1200" cap="all" spc="300" baseline="0" dirty="0" err="1">
+                <a:latin typeface="+mj-lt"/>
+                <a:ea typeface="+mj-ea"/>
+                <a:cs typeface="+mj-cs"/>
+              </a:rPr>
+              <a:t>интерфейс</a:t>
+            </a:r>
+            <a:r>
+              <a:rPr lang="en-US" sz="2700" kern="1200" cap="all" spc="300" baseline="0" dirty="0">
+                <a:latin typeface="+mj-lt"/>
+                <a:ea typeface="+mj-ea"/>
+                <a:cs typeface="+mj-cs"/>
+              </a:rPr>
+              <a:t> (GUI)</a:t>
+            </a:r>
+          </a:p>
+        </p:txBody>
+      </p:sp>
+      <p:sp>
+        <p:nvSpPr>
+          <p:cNvPr id="29" name="Rectangle 25">
+            <a:extLst>
+              <a:ext uri="{FF2B5EF4-FFF2-40B4-BE49-F238E27FC236}">
+                <a16:creationId xmlns:a16="http://schemas.microsoft.com/office/drawing/2014/main" id="{C2794E3E-966D-43D0-B426-D33988B92C6F}"/>
+              </a:ext>
+              <a:ext uri="{C183D7F6-B498-43B3-948B-1728B52AA6E4}">
+                <adec:decorative xmlns:adec="http://schemas.microsoft.com/office/drawing/2017/decorative" val="1"/>
+              </a:ext>
+            </a:extLst>
+          </p:cNvPr>
+          <p:cNvSpPr>
+            <a:spLocks noGrp="1" noRot="1" noChangeAspect="1" noMove="1" noResize="1" noEditPoints="1" noAdjustHandles="1" noChangeArrowheads="1" noChangeShapeType="1" noTextEdit="1"/>
+          </p:cNvSpPr>
+          <p:nvPr>
+            <p:extLst>
+              <p:ext uri="{386F3935-93C4-4BCD-93E2-E3B085C9AB24}">
+                <p16:designElem xmlns:p16="http://schemas.microsoft.com/office/powerpoint/2015/main" val="1"/>
+              </p:ext>
+            </p:extLst>
+          </p:nvPr>
+        </p:nvSpPr>
+        <p:spPr>
+          <a:xfrm>
+            <a:off x="4076699" y="1"/>
+            <a:ext cx="4762502" cy="6857999"/>
+          </a:xfrm>
+          <a:prstGeom prst="rect">
+            <a:avLst/>
+          </a:prstGeom>
+          <a:solidFill>
+            <a:schemeClr val="tx2">
+              <a:lumMod val="75000"/>
+              <a:lumOff val="25000"/>
+              <a:alpha val="25000"/>
+            </a:schemeClr>
+          </a:solidFill>
+          <a:ln>
+            <a:noFill/>
+          </a:ln>
+        </p:spPr>
+        <p:style>
+          <a:lnRef idx="2">
+            <a:schemeClr val="accent1">
+              <a:shade val="50000"/>
+            </a:schemeClr>
+          </a:lnRef>
+          <a:fillRef idx="1">
+            <a:schemeClr val="accent1"/>
+          </a:fillRef>
+          <a:effectRef idx="0">
+            <a:schemeClr val="accent1"/>
+          </a:effectRef>
+          <a:fontRef idx="minor">
+            <a:schemeClr val="lt1"/>
+          </a:fontRef>
+        </p:style>
+        <p:txBody>
+          <a:bodyPr rtlCol="0" anchor="ctr"/>
+          <a:lstStyle/>
+          <a:p>
+            <a:pPr algn="ctr"/>
+            <a:endParaRPr lang="en-US"/>
+          </a:p>
+        </p:txBody>
+      </p:sp>
+      <p:sp>
+        <p:nvSpPr>
+          <p:cNvPr id="12" name="Rectangle 11">
+            <a:extLst>
+              <a:ext uri="{FF2B5EF4-FFF2-40B4-BE49-F238E27FC236}">
+                <a16:creationId xmlns:a16="http://schemas.microsoft.com/office/drawing/2014/main" id="{C202AF8F-1968-33DA-B5C7-90791C482E77}"/>
+              </a:ext>
+            </a:extLst>
+          </p:cNvPr>
+          <p:cNvSpPr/>
+          <p:nvPr/>
+        </p:nvSpPr>
+        <p:spPr>
+          <a:xfrm>
+            <a:off x="4028791" y="-81481"/>
+            <a:ext cx="4828516" cy="7007382"/>
+          </a:xfrm>
+          <a:prstGeom prst="rect">
+            <a:avLst/>
+          </a:prstGeom>
+          <a:solidFill>
+            <a:srgbClr val="C64951"/>
+          </a:solidFill>
+        </p:spPr>
+        <p:style>
+          <a:lnRef idx="2">
+            <a:schemeClr val="accent1">
+              <a:shade val="50000"/>
+            </a:schemeClr>
+          </a:lnRef>
+          <a:fillRef idx="1">
+            <a:schemeClr val="accent1"/>
+          </a:fillRef>
+          <a:effectRef idx="0">
+            <a:schemeClr val="accent1"/>
+          </a:effectRef>
+          <a:fontRef idx="minor">
+            <a:schemeClr val="lt1"/>
+          </a:fontRef>
+        </p:style>
+        <p:txBody>
+          <a:bodyPr rtlCol="0" anchor="ctr"/>
+          <a:lstStyle/>
+          <a:p>
+            <a:pPr algn="ctr"/>
+            <a:endParaRPr lang="en-US"/>
+          </a:p>
+        </p:txBody>
+      </p:sp>
+      <p:sp>
+        <p:nvSpPr>
+          <p:cNvPr id="3" name="Content Placeholder 2">
+            <a:extLst>
+              <a:ext uri="{FF2B5EF4-FFF2-40B4-BE49-F238E27FC236}">
+                <a16:creationId xmlns:a16="http://schemas.microsoft.com/office/drawing/2014/main" id="{D78FD275-690C-80B5-33C5-52ABFEB979D9}"/>
+              </a:ext>
+            </a:extLst>
+          </p:cNvPr>
+          <p:cNvSpPr>
+            <a:spLocks noGrp="1"/>
+          </p:cNvSpPr>
+          <p:nvPr>
+            <p:ph idx="1"/>
+          </p:nvPr>
+        </p:nvSpPr>
+        <p:spPr>
+          <a:xfrm>
+            <a:off x="4701654" y="685799"/>
+            <a:ext cx="3521122" cy="5486402"/>
+          </a:xfrm>
+        </p:spPr>
+        <p:txBody>
+          <a:bodyPr vert="horz" lIns="91440" tIns="45720" rIns="91440" bIns="45720" rtlCol="0" anchor="ctr">
+            <a:normAutofit/>
+          </a:bodyPr>
+          <a:lstStyle/>
+          <a:p>
+            <a:r>
+              <a:rPr lang="bg-BG" sz="2800" dirty="0">
+                <a:solidFill>
+                  <a:srgbClr val="FFFFFF"/>
+                </a:solidFill>
+              </a:rPr>
+              <a:t>Използвани компоненти:</a:t>
+            </a:r>
+          </a:p>
+          <a:p>
+            <a:pPr lvl="1"/>
+            <a:r>
+              <a:rPr lang="en-US" sz="2400" dirty="0">
+                <a:solidFill>
+                  <a:srgbClr val="FFFFFF"/>
+                </a:solidFill>
+              </a:rPr>
+              <a:t>Labels</a:t>
+            </a:r>
+          </a:p>
+          <a:p>
+            <a:pPr lvl="1"/>
+            <a:r>
+              <a:rPr lang="en-US" sz="2400" dirty="0">
+                <a:solidFill>
+                  <a:srgbClr val="FFFFFF"/>
+                </a:solidFill>
+              </a:rPr>
+              <a:t>Text widgets</a:t>
+            </a:r>
+          </a:p>
+          <a:p>
+            <a:pPr lvl="1"/>
+            <a:r>
+              <a:rPr lang="en-US" sz="2400" dirty="0">
+                <a:solidFill>
+                  <a:srgbClr val="FFFFFF"/>
+                </a:solidFill>
+              </a:rPr>
+              <a:t>Buttons</a:t>
+            </a:r>
+          </a:p>
+          <a:p>
+            <a:pPr lvl="1"/>
+            <a:r>
+              <a:rPr lang="en-US" sz="2400" dirty="0" err="1">
+                <a:solidFill>
+                  <a:srgbClr val="FFFFFF"/>
+                </a:solidFill>
+              </a:rPr>
+              <a:t>MessageBox</a:t>
+            </a:r>
+            <a:endParaRPr lang="en-US" sz="2400" dirty="0">
+              <a:solidFill>
+                <a:srgbClr val="FFFFFF"/>
+              </a:solidFill>
+            </a:endParaRPr>
+          </a:p>
+        </p:txBody>
+      </p:sp>
+      <p:pic>
+        <p:nvPicPr>
+          <p:cNvPr id="9" name="Picture 8">
+            <a:extLst>
+              <a:ext uri="{FF2B5EF4-FFF2-40B4-BE49-F238E27FC236}">
+                <a16:creationId xmlns:a16="http://schemas.microsoft.com/office/drawing/2014/main" id="{44C34D56-A3E7-E399-8B84-6936352ED726}"/>
+              </a:ext>
+            </a:extLst>
+          </p:cNvPr>
+          <p:cNvPicPr>
+            <a:picLocks noChangeAspect="1"/>
+          </p:cNvPicPr>
+          <p:nvPr/>
+        </p:nvPicPr>
+        <p:blipFill>
+          <a:blip r:embed="rId2"/>
+          <a:stretch>
+            <a:fillRect/>
+          </a:stretch>
+        </p:blipFill>
+        <p:spPr>
+          <a:xfrm>
+            <a:off x="9327753" y="818706"/>
+            <a:ext cx="2521169" cy="2983503"/>
+          </a:xfrm>
+          <a:prstGeom prst="rect">
+            <a:avLst/>
+          </a:prstGeom>
+        </p:spPr>
+      </p:pic>
+      <p:pic>
+        <p:nvPicPr>
+          <p:cNvPr id="11" name="Picture 10">
+            <a:extLst>
+              <a:ext uri="{FF2B5EF4-FFF2-40B4-BE49-F238E27FC236}">
+                <a16:creationId xmlns:a16="http://schemas.microsoft.com/office/drawing/2014/main" id="{C875B9FB-F820-53F1-EEB8-299904BEA7AF}"/>
+              </a:ext>
+            </a:extLst>
+          </p:cNvPr>
+          <p:cNvPicPr>
+            <a:picLocks noChangeAspect="1"/>
+          </p:cNvPicPr>
+          <p:nvPr/>
+        </p:nvPicPr>
+        <p:blipFill>
+          <a:blip r:embed="rId3"/>
+          <a:stretch>
+            <a:fillRect/>
+          </a:stretch>
+        </p:blipFill>
+        <p:spPr>
+          <a:xfrm>
+            <a:off x="9327753" y="4145890"/>
+            <a:ext cx="2521169" cy="1642751"/>
+          </a:xfrm>
+          <a:prstGeom prst="rect">
+            <a:avLst/>
+          </a:prstGeom>
+        </p:spPr>
+      </p:pic>
+    </p:spTree>
+    <p:extLst>
+      <p:ext uri="{BB962C8B-B14F-4D97-AF65-F5344CB8AC3E}">
+        <p14:creationId xmlns:p14="http://schemas.microsoft.com/office/powerpoint/2010/main" val="3404997567"/>
+      </p:ext>
+    </p:extLst>
+  </p:cSld>
+  <p:clrMapOvr>
+    <a:masterClrMapping/>
+  </p:clrMapOvr>
+</p:sld>
+</file>
+
+<file path=ppt/slides/slide5.xml><?xml version="1.0" encoding="utf-8"?>
+<p:sld xmlns:a="http://schemas.openxmlformats.org/drawingml/2006/main" xmlns:r="http://schemas.openxmlformats.org/officeDocument/2006/relationships" xmlns:p="http://schemas.openxmlformats.org/presentationml/2006/main">
+  <p:cSld>
+    <p:bg>
+      <p:bgPr>
+        <a:solidFill>
+          <a:schemeClr val="bg1"/>
+        </a:solidFill>
+        <a:effectLst/>
+      </p:bgPr>
+    </p:bg>
+    <p:spTree>
+      <p:nvGrpSpPr>
+        <p:cNvPr id="1" name=""/>
+        <p:cNvGrpSpPr/>
+        <p:nvPr/>
+      </p:nvGrpSpPr>
+      <p:grpSpPr>
+        <a:xfrm>
+          <a:off x="0" y="0"/>
+          <a:ext cx="0" cy="0"/>
+          <a:chOff x="0" y="0"/>
+          <a:chExt cx="0" cy="0"/>
+        </a:xfrm>
+      </p:grpSpPr>
+      <p:sp useBgFill="1">
+        <p:nvSpPr>
+          <p:cNvPr id="27" name="Rectangle 22">
+            <a:extLst>
+              <a:ext uri="{FF2B5EF4-FFF2-40B4-BE49-F238E27FC236}">
+                <a16:creationId xmlns:a16="http://schemas.microsoft.com/office/drawing/2014/main" id="{C1CA7196-CAF1-4234-8849-E335F0BCA3E8}"/>
+              </a:ext>
+              <a:ext uri="{C183D7F6-B498-43B3-948B-1728B52AA6E4}">
+                <adec:decorative xmlns:adec="http://schemas.microsoft.com/office/drawing/2017/decorative" val="1"/>
+              </a:ext>
+            </a:extLst>
+          </p:cNvPr>
+          <p:cNvSpPr>
+            <a:spLocks noGrp="1" noRot="1" noChangeAspect="1" noMove="1" noResize="1" noEditPoints="1" noAdjustHandles="1" noChangeArrowheads="1" noChangeShapeType="1" noTextEdit="1"/>
+          </p:cNvSpPr>
+          <p:nvPr>
+            <p:extLst>
+              <p:ext uri="{386F3935-93C4-4BCD-93E2-E3B085C9AB24}">
+                <p16:designElem xmlns:p16="http://schemas.microsoft.com/office/powerpoint/2015/main" val="1"/>
+              </p:ext>
+            </p:extLst>
+          </p:nvPr>
+        </p:nvSpPr>
+        <p:spPr>
+          <a:xfrm>
+            <a:off x="0" y="0"/>
+            <a:ext cx="12192000" cy="6858000"/>
+          </a:xfrm>
+          <a:prstGeom prst="rect">
+            <a:avLst/>
+          </a:prstGeom>
+          <a:ln w="12700" cap="flat" cmpd="sng" algn="ctr">
+            <a:noFill/>
+            <a:prstDash val="solid"/>
+            <a:miter lim="800000"/>
+          </a:ln>
+          <a:effectLst/>
+          <a:extLst>
+            <a:ext uri="{91240B29-F687-4F45-9708-019B960494DF}">
+              <a14:hiddenLine xmlns:a14="http://schemas.microsoft.com/office/drawing/2010/main" w="12700" cap="flat" cmpd="sng" algn="ctr">
+                <a:solidFill>
+                  <a:schemeClr val="accent1">
+                    <a:shade val="50000"/>
+                  </a:schemeClr>
+                </a:solidFill>
+                <a:prstDash val="solid"/>
+                <a:miter lim="800000"/>
+              </a14:hiddenLine>
+            </a:ext>
+          </a:extLst>
+        </p:spPr>
+        <p:style>
+          <a:lnRef idx="2">
+            <a:schemeClr val="accent1">
+              <a:shade val="50000"/>
+            </a:schemeClr>
+          </a:lnRef>
+          <a:fillRef idx="1">
+            <a:schemeClr val="accent1"/>
+          </a:fillRef>
+          <a:effectRef idx="0">
+            <a:schemeClr val="accent1"/>
+          </a:effectRef>
+          <a:fontRef idx="minor">
+            <a:schemeClr val="lt1"/>
+          </a:fontRef>
+        </p:style>
+        <p:txBody>
+          <a:bodyPr rtlCol="0" anchor="ctr"/>
+          <a:lstStyle/>
+          <a:p>
+            <a:pPr algn="ctr"/>
+            <a:endParaRPr lang="en-US"/>
+          </a:p>
+        </p:txBody>
+      </p:sp>
+      <p:sp>
+        <p:nvSpPr>
+          <p:cNvPr id="28" name="Rectangle 24">
+            <a:extLst>
+              <a:ext uri="{FF2B5EF4-FFF2-40B4-BE49-F238E27FC236}">
+                <a16:creationId xmlns:a16="http://schemas.microsoft.com/office/drawing/2014/main" id="{8A7C3535-4FB5-4E5B-BDFE-FA61877AF1A9}"/>
+              </a:ext>
+              <a:ext uri="{C183D7F6-B498-43B3-948B-1728B52AA6E4}">
+                <adec:decorative xmlns:adec="http://schemas.microsoft.com/office/drawing/2017/decorative" val="1"/>
+              </a:ext>
+            </a:extLst>
+          </p:cNvPr>
+          <p:cNvSpPr>
+            <a:spLocks noGrp="1" noRot="1" noChangeAspect="1" noMove="1" noResize="1" noEditPoints="1" noAdjustHandles="1" noChangeArrowheads="1" noChangeShapeType="1" noTextEdit="1"/>
+          </p:cNvSpPr>
+          <p:nvPr>
+            <p:extLst>
+              <p:ext uri="{386F3935-93C4-4BCD-93E2-E3B085C9AB24}">
+                <p16:designElem xmlns:p16="http://schemas.microsoft.com/office/powerpoint/2015/main" val="1"/>
+              </p:ext>
+            </p:extLst>
+          </p:nvPr>
+        </p:nvSpPr>
+        <p:spPr>
+          <a:xfrm>
+            <a:off x="7467600" y="0"/>
+            <a:ext cx="4724400" cy="6858000"/>
+          </a:xfrm>
+          <a:prstGeom prst="rect">
+            <a:avLst/>
+          </a:prstGeom>
+          <a:solidFill>
+            <a:schemeClr val="tx2">
+              <a:lumMod val="75000"/>
+              <a:lumOff val="25000"/>
+              <a:alpha val="25000"/>
+            </a:schemeClr>
+          </a:solidFill>
+          <a:ln>
+            <a:noFill/>
+          </a:ln>
+        </p:spPr>
+        <p:style>
+          <a:lnRef idx="2">
+            <a:schemeClr val="accent1">
+              <a:shade val="50000"/>
+            </a:schemeClr>
+          </a:lnRef>
+          <a:fillRef idx="1">
+            <a:schemeClr val="accent1"/>
+          </a:fillRef>
+          <a:effectRef idx="0">
+            <a:schemeClr val="accent1"/>
+          </a:effectRef>
+          <a:fontRef idx="minor">
+            <a:schemeClr val="lt1"/>
+          </a:fontRef>
+        </p:style>
+        <p:txBody>
+          <a:bodyPr rtlCol="0" anchor="ctr"/>
+          <a:lstStyle/>
+          <a:p>
+            <a:pPr algn="ctr"/>
+            <a:endParaRPr lang="en-US"/>
+          </a:p>
+        </p:txBody>
+      </p:sp>
+      <p:sp>
+        <p:nvSpPr>
+          <p:cNvPr id="10" name="Rectangle 9">
+            <a:extLst>
+              <a:ext uri="{FF2B5EF4-FFF2-40B4-BE49-F238E27FC236}">
+                <a16:creationId xmlns:a16="http://schemas.microsoft.com/office/drawing/2014/main" id="{01FA693C-695E-6437-DD29-64CD2CF919AA}"/>
+              </a:ext>
+            </a:extLst>
+          </p:cNvPr>
+          <p:cNvSpPr/>
+          <p:nvPr/>
+        </p:nvSpPr>
+        <p:spPr>
+          <a:xfrm>
+            <a:off x="7467600" y="-77118"/>
+            <a:ext cx="4816207" cy="7050795"/>
+          </a:xfrm>
+          <a:prstGeom prst="rect">
+            <a:avLst/>
+          </a:prstGeom>
+          <a:solidFill>
+            <a:srgbClr val="3BBF89"/>
+          </a:solidFill>
+          <a:ln>
+            <a:noFill/>
+          </a:ln>
+        </p:spPr>
+        <p:style>
+          <a:lnRef idx="2">
+            <a:schemeClr val="accent1">
+              <a:shade val="50000"/>
+            </a:schemeClr>
+          </a:lnRef>
+          <a:fillRef idx="1">
+            <a:schemeClr val="accent1"/>
+          </a:fillRef>
+          <a:effectRef idx="0">
+            <a:schemeClr val="accent1"/>
+          </a:effectRef>
+          <a:fontRef idx="minor">
+            <a:schemeClr val="lt1"/>
+          </a:fontRef>
+        </p:style>
+        <p:txBody>
+          <a:bodyPr rtlCol="0" anchor="ctr"/>
+          <a:lstStyle/>
+          <a:p>
+            <a:pPr algn="ctr"/>
+            <a:endParaRPr lang="en-US"/>
+          </a:p>
+        </p:txBody>
+      </p:sp>
+      <p:sp>
+        <p:nvSpPr>
+          <p:cNvPr id="2" name="Title 1">
+            <a:extLst>
+              <a:ext uri="{FF2B5EF4-FFF2-40B4-BE49-F238E27FC236}">
+                <a16:creationId xmlns:a16="http://schemas.microsoft.com/office/drawing/2014/main" id="{10683B62-FDA4-06A7-F5AE-A54B93DE696C}"/>
+              </a:ext>
+            </a:extLst>
+          </p:cNvPr>
+          <p:cNvSpPr>
+            <a:spLocks noGrp="1"/>
+          </p:cNvSpPr>
+          <p:nvPr>
+            <p:ph type="title"/>
+          </p:nvPr>
+        </p:nvSpPr>
+        <p:spPr>
+          <a:xfrm>
+            <a:off x="8128028" y="239150"/>
+            <a:ext cx="3390899" cy="1303606"/>
+          </a:xfrm>
+        </p:spPr>
+        <p:txBody>
+          <a:bodyPr vert="horz" lIns="91440" tIns="45720" rIns="91440" bIns="45720" rtlCol="0">
+            <a:normAutofit/>
+          </a:bodyPr>
+          <a:lstStyle/>
+          <a:p>
+            <a:pPr algn="ctr"/>
+            <a:r>
+              <a:rPr lang="en-US" sz="2700" kern="1200" cap="all" spc="300" baseline="0" dirty="0">
+                <a:solidFill>
+                  <a:srgbClr val="FFFFFF"/>
+                </a:solidFill>
+                <a:latin typeface="+mj-lt"/>
+                <a:ea typeface="+mj-ea"/>
+                <a:cs typeface="+mj-cs"/>
+              </a:rPr>
+              <a:t>Matplotlib – </a:t>
+            </a:r>
+            <a:r>
+              <a:rPr lang="en-US" sz="2700" kern="1200" cap="all" spc="300" baseline="0" dirty="0" err="1">
+                <a:solidFill>
+                  <a:srgbClr val="FFFFFF"/>
+                </a:solidFill>
+                <a:latin typeface="+mj-lt"/>
+                <a:ea typeface="+mj-ea"/>
+                <a:cs typeface="+mj-cs"/>
+              </a:rPr>
+              <a:t>визуализация</a:t>
+            </a:r>
+            <a:r>
+              <a:rPr lang="en-US" sz="2700" kern="1200" cap="all" spc="300" baseline="0" dirty="0">
+                <a:solidFill>
+                  <a:srgbClr val="FFFFFF"/>
+                </a:solidFill>
+                <a:latin typeface="+mj-lt"/>
+                <a:ea typeface="+mj-ea"/>
+                <a:cs typeface="+mj-cs"/>
+              </a:rPr>
+              <a:t> </a:t>
+            </a:r>
+            <a:r>
+              <a:rPr lang="en-US" sz="2700" kern="1200" cap="all" spc="300" baseline="0" dirty="0" err="1">
+                <a:solidFill>
+                  <a:srgbClr val="FFFFFF"/>
+                </a:solidFill>
+                <a:latin typeface="+mj-lt"/>
+                <a:ea typeface="+mj-ea"/>
+                <a:cs typeface="+mj-cs"/>
+              </a:rPr>
+              <a:t>на</a:t>
+            </a:r>
+            <a:r>
+              <a:rPr lang="en-US" sz="2700" kern="1200" cap="all" spc="300" baseline="0" dirty="0">
+                <a:solidFill>
+                  <a:srgbClr val="FFFFFF"/>
+                </a:solidFill>
+                <a:latin typeface="+mj-lt"/>
+                <a:ea typeface="+mj-ea"/>
+                <a:cs typeface="+mj-cs"/>
+              </a:rPr>
+              <a:t> </a:t>
+            </a:r>
+            <a:r>
+              <a:rPr lang="en-US" sz="2700" kern="1200" cap="all" spc="300" baseline="0" dirty="0" err="1">
+                <a:solidFill>
+                  <a:srgbClr val="FFFFFF"/>
+                </a:solidFill>
+                <a:latin typeface="+mj-lt"/>
+                <a:ea typeface="+mj-ea"/>
+                <a:cs typeface="+mj-cs"/>
+              </a:rPr>
+              <a:t>данни</a:t>
+            </a:r>
+            <a:endParaRPr lang="en-US" sz="2700" kern="1200" cap="all" spc="300" baseline="0" dirty="0">
+              <a:solidFill>
+                <a:srgbClr val="FFFFFF"/>
+              </a:solidFill>
+              <a:latin typeface="+mj-lt"/>
+              <a:ea typeface="+mj-ea"/>
+              <a:cs typeface="+mj-cs"/>
+            </a:endParaRPr>
+          </a:p>
+        </p:txBody>
+      </p:sp>
+      <p:pic>
+        <p:nvPicPr>
+          <p:cNvPr id="9" name="Content Placeholder 8">
+            <a:extLst>
+              <a:ext uri="{FF2B5EF4-FFF2-40B4-BE49-F238E27FC236}">
+                <a16:creationId xmlns:a16="http://schemas.microsoft.com/office/drawing/2014/main" id="{FB2AC81C-A3DB-1868-D3FD-4044DD2271B3}"/>
+              </a:ext>
+            </a:extLst>
+          </p:cNvPr>
+          <p:cNvPicPr>
+            <a:picLocks noChangeAspect="1"/>
+          </p:cNvPicPr>
+          <p:nvPr/>
+        </p:nvPicPr>
+        <p:blipFill rotWithShape="1">
+          <a:blip r:embed="rId2"/>
+          <a:srcRect b="2231"/>
+          <a:stretch/>
+        </p:blipFill>
+        <p:spPr>
+          <a:xfrm>
+            <a:off x="190594" y="1538023"/>
+            <a:ext cx="7264361" cy="3781953"/>
+          </a:xfrm>
+          <a:prstGeom prst="rect">
+            <a:avLst/>
+          </a:prstGeom>
+        </p:spPr>
+      </p:pic>
+      <p:sp>
+        <p:nvSpPr>
+          <p:cNvPr id="29" name="Content Placeholder 19">
+            <a:extLst>
+              <a:ext uri="{FF2B5EF4-FFF2-40B4-BE49-F238E27FC236}">
+                <a16:creationId xmlns:a16="http://schemas.microsoft.com/office/drawing/2014/main" id="{86F2C864-7B64-2F00-73F7-F398EFC16BF3}"/>
+              </a:ext>
+            </a:extLst>
+          </p:cNvPr>
+          <p:cNvSpPr>
+            <a:spLocks noGrp="1"/>
+          </p:cNvSpPr>
+          <p:nvPr>
+            <p:ph idx="1"/>
+          </p:nvPr>
+        </p:nvSpPr>
+        <p:spPr>
+          <a:xfrm>
+            <a:off x="8115301" y="1814732"/>
+            <a:ext cx="3390899" cy="4501662"/>
+          </a:xfrm>
+        </p:spPr>
+        <p:txBody>
+          <a:bodyPr>
+            <a:normAutofit/>
+          </a:bodyPr>
+          <a:lstStyle/>
+          <a:p>
+            <a:r>
+              <a:rPr lang="bg-BG" dirty="0">
+                <a:solidFill>
+                  <a:srgbClr val="FFFFFF"/>
+                </a:solidFill>
+              </a:rPr>
+              <a:t>Библиотеката се използва за визуализирането на топ 10 филма на базата на популярност.</a:t>
+            </a:r>
+          </a:p>
+          <a:p>
+            <a:r>
+              <a:rPr lang="bg-BG" dirty="0">
+                <a:solidFill>
+                  <a:srgbClr val="FFFFFF"/>
+                </a:solidFill>
+              </a:rPr>
+              <a:t>Поради статичната ни база данни фигурата, която се визуализира винаги ще е една и съща.</a:t>
+            </a:r>
+            <a:endParaRPr lang="en-US" dirty="0">
+              <a:solidFill>
+                <a:srgbClr val="FFFFFF"/>
+              </a:solidFill>
+            </a:endParaRPr>
+          </a:p>
+        </p:txBody>
+      </p:sp>
+    </p:spTree>
+    <p:extLst>
+      <p:ext uri="{BB962C8B-B14F-4D97-AF65-F5344CB8AC3E}">
+        <p14:creationId xmlns:p14="http://schemas.microsoft.com/office/powerpoint/2010/main" val="623090145"/>
+      </p:ext>
+    </p:extLst>
+  </p:cSld>
+  <p:clrMapOvr>
+    <a:masterClrMapping/>
+  </p:clrMapOvr>
+</p:sld>
+</file>
+
+<file path=ppt/slides/slide6.xml><?xml version="1.0" encoding="utf-8"?>
+<p:sld xmlns:a="http://schemas.openxmlformats.org/drawingml/2006/main" xmlns:r="http://schemas.openxmlformats.org/officeDocument/2006/relationships" xmlns:p="http://schemas.openxmlformats.org/presentationml/2006/main">
+  <p:cSld>
+    <p:bg>
+      <p:bgPr>
+        <a:solidFill>
+          <a:schemeClr val="bg1"/>
+        </a:solidFill>
+        <a:effectLst/>
+      </p:bgPr>
+    </p:bg>
+    <p:spTree>
+      <p:nvGrpSpPr>
+        <p:cNvPr id="1" name=""/>
+        <p:cNvGrpSpPr/>
+        <p:nvPr/>
+      </p:nvGrpSpPr>
+      <p:grpSpPr>
+        <a:xfrm>
+          <a:off x="0" y="0"/>
+          <a:ext cx="0" cy="0"/>
+          <a:chOff x="0" y="0"/>
+          <a:chExt cx="0" cy="0"/>
+        </a:xfrm>
+      </p:grpSpPr>
       <p:sp>
         <p:nvSpPr>
           <p:cNvPr id="9" name="Rectangle 8">
@@ -16155,7 +17045,7 @@
 </p:sld>
 </file>
 
-<file path=ppt/slides/slide5.xml><?xml version="1.0" encoding="utf-8"?>
+<file path=ppt/slides/slide7.xml><?xml version="1.0" encoding="utf-8"?>
 <p:sld xmlns:a="http://schemas.openxmlformats.org/drawingml/2006/main" xmlns:r="http://schemas.openxmlformats.org/officeDocument/2006/relationships" xmlns:p="http://schemas.openxmlformats.org/presentationml/2006/main">
   <p:cSld>
     <p:bg>
@@ -16328,7 +17218,7 @@
 </p:sld>
 </file>
 
-<file path=ppt/slides/slide6.xml><?xml version="1.0" encoding="utf-8"?>
+<file path=ppt/slides/slide8.xml><?xml version="1.0" encoding="utf-8"?>
 <p:sld xmlns:a="http://schemas.openxmlformats.org/drawingml/2006/main" xmlns:r="http://schemas.openxmlformats.org/officeDocument/2006/relationships" xmlns:p="http://schemas.openxmlformats.org/presentationml/2006/main">
   <p:cSld>
     <p:bg>

--- a/Презентация AI(недовършена).pptx
+++ b/Презентация AI(недовършена).pptx
@@ -3871,66 +3871,6 @@
         </a:p>
       </dgm:t>
     </dgm:pt>
-    <dgm:pt modelId="{1FA4B5CD-6B1C-48ED-8F06-462FE645757B}">
-      <dgm:prSet/>
-      <dgm:spPr/>
-      <dgm:t>
-        <a:bodyPr/>
-        <a:lstStyle/>
-        <a:p>
-          <a:r>
-            <a:rPr lang="en-US" dirty="0"/>
-            <a:t>- </a:t>
-          </a:r>
-          <a:r>
-            <a:rPr lang="bg-BG" dirty="0"/>
-            <a:t>а</a:t>
-          </a:r>
-          <a:r>
-            <a:rPr lang="en-US" dirty="0" err="1"/>
-            <a:t>st</a:t>
-          </a:r>
-          <a:r>
-            <a:rPr lang="bg-BG" dirty="0"/>
-            <a:t> -</a:t>
-          </a:r>
-          <a:r>
-            <a:rPr lang="en-US" dirty="0"/>
-            <a:t> </a:t>
-          </a:r>
-          <a:r>
-            <a:rPr lang="bg-BG" dirty="0"/>
-            <a:t> </a:t>
-          </a:r>
-          <a:r>
-            <a:rPr lang="en-US" dirty="0"/>
-            <a:t> </a:t>
-          </a:r>
-        </a:p>
-      </dgm:t>
-    </dgm:pt>
-    <dgm:pt modelId="{83B7560C-7E5C-44D6-A5D4-9AAE029F2E6F}" type="parTrans" cxnId="{4E5FC384-3F59-47D0-A21B-8D10F2E1DA4E}">
-      <dgm:prSet/>
-      <dgm:spPr/>
-      <dgm:t>
-        <a:bodyPr/>
-        <a:lstStyle/>
-        <a:p>
-          <a:endParaRPr lang="en-US"/>
-        </a:p>
-      </dgm:t>
-    </dgm:pt>
-    <dgm:pt modelId="{29721C39-ACF4-4444-AF5F-65582AFE0D28}" type="sibTrans" cxnId="{4E5FC384-3F59-47D0-A21B-8D10F2E1DA4E}">
-      <dgm:prSet/>
-      <dgm:spPr/>
-      <dgm:t>
-        <a:bodyPr/>
-        <a:lstStyle/>
-        <a:p>
-          <a:endParaRPr lang="en-US"/>
-        </a:p>
-      </dgm:t>
-    </dgm:pt>
     <dgm:pt modelId="{7E6273A5-1A0A-47C0-BDD1-6B88596FD508}">
       <dgm:prSet/>
       <dgm:spPr/>
@@ -3990,7 +3930,7 @@
       <dgm:spPr/>
     </dgm:pt>
     <dgm:pt modelId="{F8545A93-D032-4045-86DD-14287EBC9BAA}" type="pres">
-      <dgm:prSet presAssocID="{2A13BEEF-571E-4EF0-9B8C-AAA7AF034123}" presName="parentText" presStyleLbl="node1" presStyleIdx="0" presStyleCnt="6">
+      <dgm:prSet presAssocID="{2A13BEEF-571E-4EF0-9B8C-AAA7AF034123}" presName="parentText" presStyleLbl="node1" presStyleIdx="0" presStyleCnt="5">
         <dgm:presLayoutVars>
           <dgm:chMax val="0"/>
           <dgm:bulletEnabled val="1"/>
@@ -4003,7 +3943,7 @@
       <dgm:spPr/>
     </dgm:pt>
     <dgm:pt modelId="{31CBD297-E940-4FD3-A085-09C0690E7BCA}" type="pres">
-      <dgm:prSet presAssocID="{A43BBAF4-DB70-4223-958C-8479C3EFDC2E}" presName="parentText" presStyleLbl="node1" presStyleIdx="1" presStyleCnt="6">
+      <dgm:prSet presAssocID="{A43BBAF4-DB70-4223-958C-8479C3EFDC2E}" presName="parentText" presStyleLbl="node1" presStyleIdx="1" presStyleCnt="5">
         <dgm:presLayoutVars>
           <dgm:chMax val="0"/>
           <dgm:bulletEnabled val="1"/>
@@ -4016,7 +3956,7 @@
       <dgm:spPr/>
     </dgm:pt>
     <dgm:pt modelId="{48FB5592-A4A2-46F2-9FDF-2053AA45F355}" type="pres">
-      <dgm:prSet presAssocID="{A222CBA5-12A8-42FA-8D7E-3A55F5B289C0}" presName="parentText" presStyleLbl="node1" presStyleIdx="2" presStyleCnt="6">
+      <dgm:prSet presAssocID="{A222CBA5-12A8-42FA-8D7E-3A55F5B289C0}" presName="parentText" presStyleLbl="node1" presStyleIdx="2" presStyleCnt="5" custLinFactY="100000" custLinFactNeighborY="110256">
         <dgm:presLayoutVars>
           <dgm:chMax val="0"/>
           <dgm:bulletEnabled val="1"/>
@@ -4029,7 +3969,7 @@
       <dgm:spPr/>
     </dgm:pt>
     <dgm:pt modelId="{19DEE928-E309-4271-9D78-E6D35804C927}" type="pres">
-      <dgm:prSet presAssocID="{CB6F6C0F-4D85-4060-8DBC-51CE26606DAD}" presName="parentText" presStyleLbl="node1" presStyleIdx="3" presStyleCnt="6">
+      <dgm:prSet presAssocID="{CB6F6C0F-4D85-4060-8DBC-51CE26606DAD}" presName="parentText" presStyleLbl="node1" presStyleIdx="3" presStyleCnt="5" custLinFactY="-100000" custLinFactNeighborY="-100000">
         <dgm:presLayoutVars>
           <dgm:chMax val="0"/>
           <dgm:bulletEnabled val="1"/>
@@ -4041,21 +3981,8 @@
       <dgm:prSet presAssocID="{F50CAA71-9927-42D8-8196-9A4423D39C2C}" presName="spacer" presStyleCnt="0"/>
       <dgm:spPr/>
     </dgm:pt>
-    <dgm:pt modelId="{308D491C-7AE4-4D1E-B9F1-D561C2F37FC6}" type="pres">
-      <dgm:prSet presAssocID="{1FA4B5CD-6B1C-48ED-8F06-462FE645757B}" presName="parentText" presStyleLbl="node1" presStyleIdx="4" presStyleCnt="6">
-        <dgm:presLayoutVars>
-          <dgm:chMax val="0"/>
-          <dgm:bulletEnabled val="1"/>
-        </dgm:presLayoutVars>
-      </dgm:prSet>
-      <dgm:spPr/>
-    </dgm:pt>
-    <dgm:pt modelId="{5DE879FA-6D06-483F-86E9-CEF8398E946D}" type="pres">
-      <dgm:prSet presAssocID="{29721C39-ACF4-4444-AF5F-65582AFE0D28}" presName="spacer" presStyleCnt="0"/>
-      <dgm:spPr/>
-    </dgm:pt>
     <dgm:pt modelId="{3C8B8708-27CF-41D6-A332-95438700E78B}" type="pres">
-      <dgm:prSet presAssocID="{7E6273A5-1A0A-47C0-BDD1-6B88596FD508}" presName="parentText" presStyleLbl="node1" presStyleIdx="5" presStyleCnt="6">
+      <dgm:prSet presAssocID="{7E6273A5-1A0A-47C0-BDD1-6B88596FD508}" presName="parentText" presStyleLbl="node1" presStyleIdx="4" presStyleCnt="5">
         <dgm:presLayoutVars>
           <dgm:chMax val="0"/>
           <dgm:bulletEnabled val="1"/>
@@ -4067,10 +3994,8 @@
   <dgm:cxnLst>
     <dgm:cxn modelId="{A979C232-6588-4A38-9EA2-BF239796582E}" type="presOf" srcId="{7ED61FA7-17F0-4A12-ACE1-C15E4BE8E1FE}" destId="{4B31EFE6-33EA-4049-9053-B33F98FF9395}" srcOrd="0" destOrd="0" presId="urn:microsoft.com/office/officeart/2005/8/layout/vList2"/>
     <dgm:cxn modelId="{1039DA4B-5EC7-40EF-A91D-5163FF32C2D0}" type="presOf" srcId="{2A13BEEF-571E-4EF0-9B8C-AAA7AF034123}" destId="{F8545A93-D032-4045-86DD-14287EBC9BAA}" srcOrd="0" destOrd="0" presId="urn:microsoft.com/office/officeart/2005/8/layout/vList2"/>
-    <dgm:cxn modelId="{6CC08072-FDF6-4BDF-AD2C-451BB70FD6CF}" type="presOf" srcId="{1FA4B5CD-6B1C-48ED-8F06-462FE645757B}" destId="{308D491C-7AE4-4D1E-B9F1-D561C2F37FC6}" srcOrd="0" destOrd="0" presId="urn:microsoft.com/office/officeart/2005/8/layout/vList2"/>
     <dgm:cxn modelId="{F9DCA37B-D87F-4FEC-B27A-FA581B109DD3}" srcId="{7ED61FA7-17F0-4A12-ACE1-C15E4BE8E1FE}" destId="{A43BBAF4-DB70-4223-958C-8479C3EFDC2E}" srcOrd="1" destOrd="0" parTransId="{710156AD-8CF5-4596-8B0D-A43095DA7697}" sibTransId="{7DC1AB26-C52D-4218-BC49-26570F23DE70}"/>
-    <dgm:cxn modelId="{C6A9FB7F-FA90-4248-85FF-878490BFAE05}" srcId="{7ED61FA7-17F0-4A12-ACE1-C15E4BE8E1FE}" destId="{7E6273A5-1A0A-47C0-BDD1-6B88596FD508}" srcOrd="5" destOrd="0" parTransId="{00A5A51D-FEA7-4E7B-88DF-645659E9CA43}" sibTransId="{30680756-2B23-4CC3-BB65-8012BF3EBEB5}"/>
-    <dgm:cxn modelId="{4E5FC384-3F59-47D0-A21B-8D10F2E1DA4E}" srcId="{7ED61FA7-17F0-4A12-ACE1-C15E4BE8E1FE}" destId="{1FA4B5CD-6B1C-48ED-8F06-462FE645757B}" srcOrd="4" destOrd="0" parTransId="{83B7560C-7E5C-44D6-A5D4-9AAE029F2E6F}" sibTransId="{29721C39-ACF4-4444-AF5F-65582AFE0D28}"/>
+    <dgm:cxn modelId="{C6A9FB7F-FA90-4248-85FF-878490BFAE05}" srcId="{7ED61FA7-17F0-4A12-ACE1-C15E4BE8E1FE}" destId="{7E6273A5-1A0A-47C0-BDD1-6B88596FD508}" srcOrd="4" destOrd="0" parTransId="{00A5A51D-FEA7-4E7B-88DF-645659E9CA43}" sibTransId="{30680756-2B23-4CC3-BB65-8012BF3EBEB5}"/>
     <dgm:cxn modelId="{8F3E178E-A308-4BD9-ACE7-D1884FD316D7}" srcId="{7ED61FA7-17F0-4A12-ACE1-C15E4BE8E1FE}" destId="{A222CBA5-12A8-42FA-8D7E-3A55F5B289C0}" srcOrd="2" destOrd="0" parTransId="{2250EDFD-1898-43CD-B321-D07B4D700D35}" sibTransId="{882ED0D4-893B-44EC-B468-1CFCDF07F249}"/>
     <dgm:cxn modelId="{308E48C1-1D8F-466B-A755-C18E238B94D1}" type="presOf" srcId="{7E6273A5-1A0A-47C0-BDD1-6B88596FD508}" destId="{3C8B8708-27CF-41D6-A332-95438700E78B}" srcOrd="0" destOrd="0" presId="urn:microsoft.com/office/officeart/2005/8/layout/vList2"/>
     <dgm:cxn modelId="{C93F03C5-0573-4627-AF4C-A65D4BA23118}" type="presOf" srcId="{A43BBAF4-DB70-4223-958C-8479C3EFDC2E}" destId="{31CBD297-E940-4FD3-A085-09C0690E7BCA}" srcOrd="0" destOrd="0" presId="urn:microsoft.com/office/officeart/2005/8/layout/vList2"/>
@@ -4086,9 +4011,7 @@
     <dgm:cxn modelId="{9D399760-34D0-4E16-8003-9E0252ECF8D3}" type="presParOf" srcId="{4B31EFE6-33EA-4049-9053-B33F98FF9395}" destId="{58BF8D46-7D31-440D-A00B-FACC86299584}" srcOrd="5" destOrd="0" presId="urn:microsoft.com/office/officeart/2005/8/layout/vList2"/>
     <dgm:cxn modelId="{F9915A6B-7030-45EB-924D-CDC60C29785A}" type="presParOf" srcId="{4B31EFE6-33EA-4049-9053-B33F98FF9395}" destId="{19DEE928-E309-4271-9D78-E6D35804C927}" srcOrd="6" destOrd="0" presId="urn:microsoft.com/office/officeart/2005/8/layout/vList2"/>
     <dgm:cxn modelId="{E428BA51-FE2F-4F44-8C37-23CB85EDE529}" type="presParOf" srcId="{4B31EFE6-33EA-4049-9053-B33F98FF9395}" destId="{872BB960-C8B6-4F32-8E53-09C2867E1825}" srcOrd="7" destOrd="0" presId="urn:microsoft.com/office/officeart/2005/8/layout/vList2"/>
-    <dgm:cxn modelId="{819EFEE0-2184-4E86-A787-F490E1C06626}" type="presParOf" srcId="{4B31EFE6-33EA-4049-9053-B33F98FF9395}" destId="{308D491C-7AE4-4D1E-B9F1-D561C2F37FC6}" srcOrd="8" destOrd="0" presId="urn:microsoft.com/office/officeart/2005/8/layout/vList2"/>
-    <dgm:cxn modelId="{B4EE3139-408A-44D5-A620-DDD610C09AC4}" type="presParOf" srcId="{4B31EFE6-33EA-4049-9053-B33F98FF9395}" destId="{5DE879FA-6D06-483F-86E9-CEF8398E946D}" srcOrd="9" destOrd="0" presId="urn:microsoft.com/office/officeart/2005/8/layout/vList2"/>
-    <dgm:cxn modelId="{EBF6A593-83D9-47F4-BA1C-CB7883A0E66A}" type="presParOf" srcId="{4B31EFE6-33EA-4049-9053-B33F98FF9395}" destId="{3C8B8708-27CF-41D6-A332-95438700E78B}" srcOrd="10" destOrd="0" presId="urn:microsoft.com/office/officeart/2005/8/layout/vList2"/>
+    <dgm:cxn modelId="{EBF6A593-83D9-47F4-BA1C-CB7883A0E66A}" type="presParOf" srcId="{4B31EFE6-33EA-4049-9053-B33F98FF9395}" destId="{3C8B8708-27CF-41D6-A332-95438700E78B}" srcOrd="8" destOrd="0" presId="urn:microsoft.com/office/officeart/2005/8/layout/vList2"/>
   </dgm:cxnLst>
   <dgm:bg/>
   <dgm:whole/>
@@ -5027,7 +4950,7 @@
       </dsp:nvSpPr>
       <dsp:spPr>
         <a:xfrm>
-          <a:off x="0" y="685169"/>
+          <a:off x="0" y="1034414"/>
           <a:ext cx="6096000" cy="623610"/>
         </a:xfrm>
         <a:prstGeom prst="roundRect">
@@ -5111,7 +5034,7 @@
         </a:p>
       </dsp:txBody>
       <dsp:txXfrm>
-        <a:off x="30442" y="715611"/>
+        <a:off x="30442" y="1064856"/>
         <a:ext cx="6035116" cy="562726"/>
       </dsp:txXfrm>
     </dsp:sp>
@@ -5122,7 +5045,7 @@
       </dsp:nvSpPr>
       <dsp:spPr>
         <a:xfrm>
-          <a:off x="0" y="1383660"/>
+          <a:off x="0" y="1732905"/>
           <a:ext cx="6096000" cy="623610"/>
         </a:xfrm>
         <a:prstGeom prst="roundRect">
@@ -5130,9 +5053,9 @@
         </a:prstGeom>
         <a:solidFill>
           <a:schemeClr val="accent2">
-            <a:hueOff val="4020506"/>
-            <a:satOff val="-88"/>
-            <a:lumOff val="1333"/>
+            <a:hueOff val="5025632"/>
+            <a:satOff val="-110"/>
+            <a:lumOff val="1667"/>
             <a:alphaOff val="0"/>
           </a:schemeClr>
         </a:solidFill>
@@ -5197,7 +5120,7 @@
         </a:p>
       </dsp:txBody>
       <dsp:txXfrm>
-        <a:off x="30442" y="1414102"/>
+        <a:off x="30442" y="1763347"/>
         <a:ext cx="6035116" cy="562726"/>
       </dsp:txXfrm>
     </dsp:sp>
@@ -5208,7 +5131,7 @@
       </dsp:nvSpPr>
       <dsp:spPr>
         <a:xfrm>
-          <a:off x="0" y="2082150"/>
+          <a:off x="0" y="3137564"/>
           <a:ext cx="6096000" cy="623610"/>
         </a:xfrm>
         <a:prstGeom prst="roundRect">
@@ -5216,9 +5139,9 @@
         </a:prstGeom>
         <a:solidFill>
           <a:schemeClr val="accent2">
-            <a:hueOff val="8041012"/>
-            <a:satOff val="-176"/>
-            <a:lumOff val="2667"/>
+            <a:hueOff val="10051264"/>
+            <a:satOff val="-220"/>
+            <a:lumOff val="3334"/>
             <a:alphaOff val="0"/>
           </a:schemeClr>
         </a:solidFill>
@@ -5280,7 +5203,7 @@
         </a:p>
       </dsp:txBody>
       <dsp:txXfrm>
-        <a:off x="30442" y="2112592"/>
+        <a:off x="30442" y="3168006"/>
         <a:ext cx="6035116" cy="562726"/>
       </dsp:txXfrm>
     </dsp:sp>
@@ -5291,7 +5214,7 @@
       </dsp:nvSpPr>
       <dsp:spPr>
         <a:xfrm>
-          <a:off x="0" y="2780640"/>
+          <a:off x="0" y="2431394"/>
           <a:ext cx="6096000" cy="623610"/>
         </a:xfrm>
         <a:prstGeom prst="roundRect">
@@ -5299,9 +5222,9 @@
         </a:prstGeom>
         <a:solidFill>
           <a:schemeClr val="accent2">
-            <a:hueOff val="12061518"/>
-            <a:satOff val="-264"/>
-            <a:lumOff val="4000"/>
+            <a:hueOff val="15076897"/>
+            <a:satOff val="-330"/>
+            <a:lumOff val="5000"/>
             <a:alphaOff val="0"/>
           </a:schemeClr>
         </a:solidFill>
@@ -5374,109 +5297,7 @@
         </a:p>
       </dsp:txBody>
       <dsp:txXfrm>
-        <a:off x="30442" y="2811082"/>
-        <a:ext cx="6035116" cy="562726"/>
-      </dsp:txXfrm>
-    </dsp:sp>
-    <dsp:sp modelId="{308D491C-7AE4-4D1E-B9F1-D561C2F37FC6}">
-      <dsp:nvSpPr>
-        <dsp:cNvPr id="0" name=""/>
-        <dsp:cNvSpPr/>
-      </dsp:nvSpPr>
-      <dsp:spPr>
-        <a:xfrm>
-          <a:off x="0" y="3479130"/>
-          <a:ext cx="6096000" cy="623610"/>
-        </a:xfrm>
-        <a:prstGeom prst="roundRect">
-          <a:avLst/>
-        </a:prstGeom>
-        <a:solidFill>
-          <a:schemeClr val="accent2">
-            <a:hueOff val="16082023"/>
-            <a:satOff val="-352"/>
-            <a:lumOff val="5334"/>
-            <a:alphaOff val="0"/>
-          </a:schemeClr>
-        </a:solidFill>
-        <a:ln w="12700" cap="flat" cmpd="sng" algn="ctr">
-          <a:solidFill>
-            <a:schemeClr val="lt1">
-              <a:hueOff val="0"/>
-              <a:satOff val="0"/>
-              <a:lumOff val="0"/>
-              <a:alphaOff val="0"/>
-            </a:schemeClr>
-          </a:solidFill>
-          <a:prstDash val="solid"/>
-          <a:miter lim="800000"/>
-        </a:ln>
-        <a:effectLst/>
-      </dsp:spPr>
-      <dsp:style>
-        <a:lnRef idx="2">
-          <a:scrgbClr r="0" g="0" b="0"/>
-        </a:lnRef>
-        <a:fillRef idx="1">
-          <a:scrgbClr r="0" g="0" b="0"/>
-        </a:fillRef>
-        <a:effectRef idx="0">
-          <a:scrgbClr r="0" g="0" b="0"/>
-        </a:effectRef>
-        <a:fontRef idx="minor">
-          <a:schemeClr val="lt1"/>
-        </a:fontRef>
-      </dsp:style>
-      <dsp:txBody>
-        <a:bodyPr spcFirstLastPara="0" vert="horz" wrap="square" lIns="99060" tIns="99060" rIns="99060" bIns="99060" numCol="1" spcCol="1270" anchor="ctr" anchorCtr="0">
-          <a:noAutofit/>
-        </a:bodyPr>
-        <a:lstStyle/>
-        <a:p>
-          <a:pPr marL="0" lvl="0" indent="0" algn="l" defTabSz="1155700">
-            <a:lnSpc>
-              <a:spcPct val="90000"/>
-            </a:lnSpc>
-            <a:spcBef>
-              <a:spcPct val="0"/>
-            </a:spcBef>
-            <a:spcAft>
-              <a:spcPct val="35000"/>
-            </a:spcAft>
-            <a:buNone/>
-          </a:pPr>
-          <a:r>
-            <a:rPr lang="en-US" sz="2600" kern="1200" dirty="0"/>
-            <a:t>- </a:t>
-          </a:r>
-          <a:r>
-            <a:rPr lang="bg-BG" sz="2600" kern="1200" dirty="0"/>
-            <a:t>а</a:t>
-          </a:r>
-          <a:r>
-            <a:rPr lang="en-US" sz="2600" kern="1200" dirty="0" err="1"/>
-            <a:t>st</a:t>
-          </a:r>
-          <a:r>
-            <a:rPr lang="bg-BG" sz="2600" kern="1200" dirty="0"/>
-            <a:t> -</a:t>
-          </a:r>
-          <a:r>
-            <a:rPr lang="en-US" sz="2600" kern="1200" dirty="0"/>
-            <a:t> </a:t>
-          </a:r>
-          <a:r>
-            <a:rPr lang="bg-BG" sz="2600" kern="1200" dirty="0"/>
-            <a:t> </a:t>
-          </a:r>
-          <a:r>
-            <a:rPr lang="en-US" sz="2600" kern="1200" dirty="0"/>
-            <a:t> </a:t>
-          </a:r>
-        </a:p>
-      </dsp:txBody>
-      <dsp:txXfrm>
-        <a:off x="30442" y="3509572"/>
+        <a:off x="30442" y="2461836"/>
         <a:ext cx="6035116" cy="562726"/>
       </dsp:txXfrm>
     </dsp:sp>
@@ -5487,7 +5308,7 @@
       </dsp:nvSpPr>
       <dsp:spPr>
         <a:xfrm>
-          <a:off x="0" y="4177620"/>
+          <a:off x="0" y="3828375"/>
           <a:ext cx="6096000" cy="623610"/>
         </a:xfrm>
         <a:prstGeom prst="roundRect">
@@ -5567,7 +5388,7 @@
         </a:p>
       </dsp:txBody>
       <dsp:txXfrm>
-        <a:off x="30442" y="4208062"/>
+        <a:off x="30442" y="3858817"/>
         <a:ext cx="6035116" cy="562726"/>
       </dsp:txXfrm>
     </dsp:sp>
@@ -15972,7 +15793,7 @@
             <p:ph idx="1"/>
             <p:extLst>
               <p:ext uri="{D42A27DB-BD31-4B8C-83A1-F6EECF244321}">
-                <p14:modId xmlns:p14="http://schemas.microsoft.com/office/powerpoint/2010/main" val="4264108545"/>
+                <p14:modId xmlns:p14="http://schemas.microsoft.com/office/powerpoint/2010/main" val="253264126"/>
               </p:ext>
             </p:extLst>
           </p:nvPr>

--- a/Презентация AI(недовършена).pptx
+++ b/Презентация AI(недовършена).pptx
@@ -8,11 +8,12 @@
     <p:sldId id="256" r:id="rId2"/>
     <p:sldId id="257" r:id="rId3"/>
     <p:sldId id="258" r:id="rId4"/>
-    <p:sldId id="262" r:id="rId5"/>
-    <p:sldId id="263" r:id="rId6"/>
-    <p:sldId id="259" r:id="rId7"/>
-    <p:sldId id="260" r:id="rId8"/>
-    <p:sldId id="261" r:id="rId9"/>
+    <p:sldId id="264" r:id="rId5"/>
+    <p:sldId id="262" r:id="rId6"/>
+    <p:sldId id="263" r:id="rId7"/>
+    <p:sldId id="259" r:id="rId8"/>
+    <p:sldId id="260" r:id="rId9"/>
+    <p:sldId id="261" r:id="rId10"/>
   </p:sldIdLst>
   <p:sldSz cx="12192000" cy="6858000"/>
   <p:notesSz cx="6858000" cy="9144000"/>
@@ -3411,10 +3412,10 @@
         <a:lstStyle/>
         <a:p>
           <a:r>
-            <a:rPr lang="bg-BG"/>
+            <a:rPr lang="bg-BG" dirty="0"/>
             <a:t>- Спестява от ценното ни време</a:t>
           </a:r>
-          <a:endParaRPr lang="en-US"/>
+          <a:endParaRPr lang="en-US" dirty="0"/>
         </a:p>
       </dgm:t>
     </dgm:pt>
@@ -3821,7 +3822,11 @@
     </dgm:pt>
     <dgm:pt modelId="{CB6F6C0F-4D85-4060-8DBC-51CE26606DAD}">
       <dgm:prSet/>
-      <dgm:spPr/>
+      <dgm:spPr>
+        <a:solidFill>
+          <a:srgbClr val="8842C4"/>
+        </a:solidFill>
+      </dgm:spPr>
       <dgm:t>
         <a:bodyPr/>
         <a:lstStyle/>
@@ -4510,10 +4515,10 @@
             <a:buNone/>
           </a:pPr>
           <a:r>
-            <a:rPr lang="bg-BG" sz="2200" kern="1200"/>
+            <a:rPr lang="bg-BG" sz="2200" kern="1200" dirty="0"/>
             <a:t>- Спестява от ценното ни време</a:t>
           </a:r>
-          <a:endParaRPr lang="en-US" sz="2200" kern="1200"/>
+          <a:endParaRPr lang="en-US" sz="2200" kern="1200" dirty="0"/>
         </a:p>
       </dsp:txBody>
       <dsp:txXfrm>
@@ -5221,12 +5226,7 @@
           <a:avLst/>
         </a:prstGeom>
         <a:solidFill>
-          <a:schemeClr val="accent2">
-            <a:hueOff val="15076897"/>
-            <a:satOff val="-330"/>
-            <a:lumOff val="5000"/>
-            <a:alphaOff val="0"/>
-          </a:schemeClr>
+          <a:srgbClr val="8842C4"/>
         </a:solidFill>
         <a:ln w="12700" cap="flat" cmpd="sng" algn="ctr">
           <a:solidFill>
@@ -12027,7 +12027,7 @@
           <a:p>
             <a:fld id="{23FEA57E-7C1A-457B-A4CD-5DCEB057B502}" type="datetime1">
               <a:rPr lang="en-US" smtClean="0"/>
-              <a:t>6/16/2022</a:t>
+              <a:t>6/17/2022</a:t>
             </a:fld>
             <a:endParaRPr lang="en-US" dirty="0"/>
           </a:p>
@@ -12230,7 +12230,7 @@
           <a:p>
             <a:fld id="{11789749-A4CD-447F-8298-2B7988C91CEA}" type="datetime1">
               <a:rPr lang="en-US" smtClean="0"/>
-              <a:t>6/16/2022</a:t>
+              <a:t>6/17/2022</a:t>
             </a:fld>
             <a:endParaRPr lang="en-US"/>
           </a:p>
@@ -12441,7 +12441,7 @@
           <a:p>
             <a:fld id="{BA0444D3-C0BA-4587-A56C-581AB9F841BE}" type="datetime1">
               <a:rPr lang="en-US" smtClean="0"/>
-              <a:t>6/16/2022</a:t>
+              <a:t>6/17/2022</a:t>
             </a:fld>
             <a:endParaRPr lang="en-US"/>
           </a:p>
@@ -12655,7 +12655,7 @@
           <a:p>
             <a:fld id="{201AF2CE-4F37-411C-A3EE-BBBE223265BF}" type="datetime1">
               <a:rPr lang="en-US" smtClean="0"/>
-              <a:t>6/16/2022</a:t>
+              <a:t>6/17/2022</a:t>
             </a:fld>
             <a:endParaRPr lang="en-US"/>
           </a:p>
@@ -12936,7 +12936,7 @@
           <a:p>
             <a:fld id="{C96083D4-708C-4BB5-B4FD-30CE9FA12FD5}" type="datetime1">
               <a:rPr lang="en-US" smtClean="0"/>
-              <a:t>6/16/2022</a:t>
+              <a:t>6/17/2022</a:t>
             </a:fld>
             <a:endParaRPr lang="en-US"/>
           </a:p>
@@ -13216,7 +13216,7 @@
           <a:p>
             <a:fld id="{D0D239B2-65BC-4C2A-A62B-3EABFE9590E4}" type="datetime1">
               <a:rPr lang="en-US" smtClean="0"/>
-              <a:t>6/16/2022</a:t>
+              <a:t>6/17/2022</a:t>
             </a:fld>
             <a:endParaRPr lang="en-US"/>
           </a:p>
@@ -13638,7 +13638,7 @@
           <a:p>
             <a:fld id="{85E05F5A-E4A3-476F-A89E-C2B73F2431E4}" type="datetime1">
               <a:rPr lang="en-US" smtClean="0"/>
-              <a:t>6/16/2022</a:t>
+              <a:t>6/17/2022</a:t>
             </a:fld>
             <a:endParaRPr lang="en-US"/>
           </a:p>
@@ -13783,7 +13783,7 @@
           <a:p>
             <a:fld id="{E3761515-4A26-4F31-9F61-5A10B1FABBFC}" type="datetime1">
               <a:rPr lang="en-US" smtClean="0"/>
-              <a:t>6/16/2022</a:t>
+              <a:t>6/17/2022</a:t>
             </a:fld>
             <a:endParaRPr lang="en-US"/>
           </a:p>
@@ -13899,7 +13899,7 @@
           <a:p>
             <a:fld id="{4A75DC65-7D1F-4BAB-9695-F7E734143E14}" type="datetime1">
               <a:rPr lang="en-US" smtClean="0"/>
-              <a:t>6/16/2022</a:t>
+              <a:t>6/17/2022</a:t>
             </a:fld>
             <a:endParaRPr lang="en-US"/>
           </a:p>
@@ -14213,7 +14213,7 @@
           <a:p>
             <a:fld id="{7E624077-BD55-4036-8E92-6558FDF3B653}" type="datetime1">
               <a:rPr lang="en-US" smtClean="0"/>
-              <a:t>6/16/2022</a:t>
+              <a:t>6/17/2022</a:t>
             </a:fld>
             <a:endParaRPr lang="en-US"/>
           </a:p>
@@ -14507,7 +14507,7 @@
           <a:p>
             <a:fld id="{804225F2-7107-4609-BCC2-77C63064A5E8}" type="datetime1">
               <a:rPr lang="en-US" smtClean="0"/>
-              <a:t>6/16/2022</a:t>
+              <a:t>6/17/2022</a:t>
             </a:fld>
             <a:endParaRPr lang="en-US"/>
           </a:p>
@@ -14755,7 +14755,7 @@
           <a:p>
             <a:fld id="{D3FE42E8-8B57-452D-A122-4DCE9AC771EF}" type="datetime1">
               <a:rPr lang="en-US" smtClean="0"/>
-              <a:t>6/16/2022</a:t>
+              <a:t>6/17/2022</a:t>
             </a:fld>
             <a:endParaRPr lang="en-US"/>
           </a:p>
@@ -15793,7 +15793,7 @@
             <p:ph idx="1"/>
             <p:extLst>
               <p:ext uri="{D42A27DB-BD31-4B8C-83A1-F6EECF244321}">
-                <p14:modId xmlns:p14="http://schemas.microsoft.com/office/powerpoint/2010/main" val="253264126"/>
+                <p14:modId xmlns:p14="http://schemas.microsoft.com/office/powerpoint/2010/main" val="1688898938"/>
               </p:ext>
             </p:extLst>
           </p:nvPr>
@@ -15822,6 +15822,273 @@
 </file>
 
 <file path=ppt/slides/slide4.xml><?xml version="1.0" encoding="utf-8"?>
+<p:sld xmlns:a="http://schemas.openxmlformats.org/drawingml/2006/main" xmlns:r="http://schemas.openxmlformats.org/officeDocument/2006/relationships" xmlns:p="http://schemas.openxmlformats.org/presentationml/2006/main">
+  <p:cSld>
+    <p:spTree>
+      <p:nvGrpSpPr>
+        <p:cNvPr id="1" name=""/>
+        <p:cNvGrpSpPr/>
+        <p:nvPr/>
+      </p:nvGrpSpPr>
+      <p:grpSpPr>
+        <a:xfrm>
+          <a:off x="0" y="0"/>
+          <a:ext cx="0" cy="0"/>
+          <a:chOff x="0" y="0"/>
+          <a:chExt cx="0" cy="0"/>
+        </a:xfrm>
+      </p:grpSpPr>
+      <p:sp>
+        <p:nvSpPr>
+          <p:cNvPr id="10" name="Rectangle 9">
+            <a:extLst>
+              <a:ext uri="{FF2B5EF4-FFF2-40B4-BE49-F238E27FC236}">
+                <a16:creationId xmlns:a16="http://schemas.microsoft.com/office/drawing/2014/main" id="{01FA693C-695E-6437-DD29-64CD2CF919AA}"/>
+              </a:ext>
+            </a:extLst>
+          </p:cNvPr>
+          <p:cNvSpPr/>
+          <p:nvPr/>
+        </p:nvSpPr>
+        <p:spPr>
+          <a:xfrm>
+            <a:off x="7234989" y="0"/>
+            <a:ext cx="4957011" cy="6858001"/>
+          </a:xfrm>
+          <a:prstGeom prst="rect">
+            <a:avLst/>
+          </a:prstGeom>
+          <a:solidFill>
+            <a:srgbClr val="8842C4"/>
+          </a:solidFill>
+          <a:ln>
+            <a:noFill/>
+          </a:ln>
+        </p:spPr>
+        <p:style>
+          <a:lnRef idx="2">
+            <a:schemeClr val="accent1">
+              <a:shade val="50000"/>
+            </a:schemeClr>
+          </a:lnRef>
+          <a:fillRef idx="1">
+            <a:schemeClr val="accent1"/>
+          </a:fillRef>
+          <a:effectRef idx="0">
+            <a:schemeClr val="accent1"/>
+          </a:effectRef>
+          <a:fontRef idx="minor">
+            <a:schemeClr val="lt1"/>
+          </a:fontRef>
+        </p:style>
+        <p:txBody>
+          <a:bodyPr rtlCol="0" anchor="ctr"/>
+          <a:lstStyle/>
+          <a:p>
+            <a:pPr algn="ctr"/>
+            <a:endParaRPr lang="en-US"/>
+          </a:p>
+        </p:txBody>
+      </p:sp>
+      <p:sp>
+        <p:nvSpPr>
+          <p:cNvPr id="2" name="Title 1">
+            <a:extLst>
+              <a:ext uri="{FF2B5EF4-FFF2-40B4-BE49-F238E27FC236}">
+                <a16:creationId xmlns:a16="http://schemas.microsoft.com/office/drawing/2014/main" id="{10683B62-FDA4-06A7-F5AE-A54B93DE696C}"/>
+              </a:ext>
+            </a:extLst>
+          </p:cNvPr>
+          <p:cNvSpPr>
+            <a:spLocks noGrp="1"/>
+          </p:cNvSpPr>
+          <p:nvPr>
+            <p:ph type="title"/>
+          </p:nvPr>
+        </p:nvSpPr>
+        <p:spPr>
+          <a:xfrm>
+            <a:off x="8128028" y="112295"/>
+            <a:ext cx="3390899" cy="1430461"/>
+          </a:xfrm>
+        </p:spPr>
+        <p:txBody>
+          <a:bodyPr vert="horz" lIns="91440" tIns="45720" rIns="91440" bIns="45720" rtlCol="0">
+            <a:normAutofit fontScale="90000"/>
+          </a:bodyPr>
+          <a:lstStyle/>
+          <a:p>
+            <a:pPr algn="ctr"/>
+            <a:r>
+              <a:rPr lang="en-US" sz="2700" dirty="0" err="1">
+                <a:solidFill>
+                  <a:srgbClr val="FFFFFF"/>
+                </a:solidFill>
+              </a:rPr>
+              <a:t>sCIkit</a:t>
+            </a:r>
+            <a:r>
+              <a:rPr lang="en-US" sz="2700" dirty="0">
+                <a:solidFill>
+                  <a:srgbClr val="FFFFFF"/>
+                </a:solidFill>
+              </a:rPr>
+              <a:t>-learn- machine learning in python</a:t>
+            </a:r>
+            <a:endParaRPr lang="en-US" sz="2700" kern="1200" cap="all" spc="300" baseline="0" dirty="0">
+              <a:solidFill>
+                <a:srgbClr val="FFFFFF"/>
+              </a:solidFill>
+              <a:latin typeface="+mj-lt"/>
+              <a:ea typeface="+mj-ea"/>
+              <a:cs typeface="+mj-cs"/>
+            </a:endParaRPr>
+          </a:p>
+        </p:txBody>
+      </p:sp>
+      <p:sp>
+        <p:nvSpPr>
+          <p:cNvPr id="29" name="Content Placeholder 19">
+            <a:extLst>
+              <a:ext uri="{FF2B5EF4-FFF2-40B4-BE49-F238E27FC236}">
+                <a16:creationId xmlns:a16="http://schemas.microsoft.com/office/drawing/2014/main" id="{86F2C864-7B64-2F00-73F7-F398EFC16BF3}"/>
+              </a:ext>
+            </a:extLst>
+          </p:cNvPr>
+          <p:cNvSpPr>
+            <a:spLocks noGrp="1"/>
+          </p:cNvSpPr>
+          <p:nvPr>
+            <p:ph idx="1"/>
+          </p:nvPr>
+        </p:nvSpPr>
+        <p:spPr>
+          <a:xfrm>
+            <a:off x="8115301" y="1814732"/>
+            <a:ext cx="3390899" cy="4501662"/>
+          </a:xfrm>
+        </p:spPr>
+        <p:txBody>
+          <a:bodyPr>
+            <a:normAutofit/>
+          </a:bodyPr>
+          <a:lstStyle/>
+          <a:p>
+            <a:r>
+              <a:rPr lang="bg-BG" dirty="0">
+                <a:solidFill>
+                  <a:srgbClr val="FFFFFF"/>
+                </a:solidFill>
+              </a:rPr>
+              <a:t>Библиотеката се използва за</a:t>
+            </a:r>
+            <a:r>
+              <a:rPr lang="en-US" dirty="0">
+                <a:solidFill>
+                  <a:srgbClr val="FFFFFF"/>
+                </a:solidFill>
+              </a:rPr>
+              <a:t> </a:t>
+            </a:r>
+            <a:r>
+              <a:rPr lang="bg-BG" dirty="0">
+                <a:solidFill>
+                  <a:srgbClr val="FFFFFF"/>
+                </a:solidFill>
+              </a:rPr>
+              <a:t>машинно обучение на </a:t>
+            </a:r>
+            <a:r>
+              <a:rPr lang="de-DE" dirty="0">
+                <a:solidFill>
+                  <a:srgbClr val="FFFFFF"/>
+                </a:solidFill>
+              </a:rPr>
+              <a:t>Python. </a:t>
+            </a:r>
+            <a:endParaRPr lang="bg-BG" dirty="0">
+              <a:solidFill>
+                <a:srgbClr val="FFFFFF"/>
+              </a:solidFill>
+            </a:endParaRPr>
+          </a:p>
+          <a:p>
+            <a:r>
+              <a:rPr lang="bg-BG" dirty="0">
+                <a:solidFill>
+                  <a:srgbClr val="FFFFFF"/>
+                </a:solidFill>
+              </a:rPr>
+              <a:t>Включва различни алгоритми за класификация, регресиране и </a:t>
+            </a:r>
+            <a:r>
+              <a:rPr lang="bg-BG" dirty="0" err="1">
+                <a:solidFill>
+                  <a:srgbClr val="FFFFFF"/>
+                </a:solidFill>
+              </a:rPr>
+              <a:t>клъстеринг</a:t>
+            </a:r>
+            <a:r>
+              <a:rPr lang="bg-BG" dirty="0">
+                <a:solidFill>
+                  <a:srgbClr val="FFFFFF"/>
+                </a:solidFill>
+              </a:rPr>
+              <a:t>.</a:t>
+            </a:r>
+            <a:endParaRPr lang="en-US" dirty="0">
+              <a:solidFill>
+                <a:srgbClr val="FFFFFF"/>
+              </a:solidFill>
+            </a:endParaRPr>
+          </a:p>
+        </p:txBody>
+      </p:sp>
+      <p:pic>
+        <p:nvPicPr>
+          <p:cNvPr id="8" name="Picture 7">
+            <a:extLst>
+              <a:ext uri="{FF2B5EF4-FFF2-40B4-BE49-F238E27FC236}">
+                <a16:creationId xmlns:a16="http://schemas.microsoft.com/office/drawing/2014/main" id="{BEB3528C-00B0-79C5-251F-EABCEAC31B89}"/>
+              </a:ext>
+            </a:extLst>
+          </p:cNvPr>
+          <p:cNvPicPr>
+            <a:picLocks noChangeAspect="1"/>
+          </p:cNvPicPr>
+          <p:nvPr/>
+        </p:nvPicPr>
+        <p:blipFill>
+          <a:blip r:embed="rId2"/>
+          <a:stretch>
+            <a:fillRect/>
+          </a:stretch>
+        </p:blipFill>
+        <p:spPr>
+          <a:xfrm>
+            <a:off x="160421" y="2045649"/>
+            <a:ext cx="6880058" cy="2349606"/>
+          </a:xfrm>
+          <a:prstGeom prst="rect">
+            <a:avLst/>
+          </a:prstGeom>
+        </p:spPr>
+      </p:pic>
+    </p:spTree>
+    <p:extLst>
+      <p:ext uri="{BB962C8B-B14F-4D97-AF65-F5344CB8AC3E}">
+        <p14:creationId xmlns:p14="http://schemas.microsoft.com/office/powerpoint/2010/main" val="2009558475"/>
+      </p:ext>
+    </p:extLst>
+  </p:cSld>
+  <p:clrMapOvr>
+    <a:masterClrMapping/>
+  </p:clrMapOvr>
+</p:sld>
+</file>
+
+<file path=ppt/slides/slide5.xml><?xml version="1.0" encoding="utf-8"?>
 <p:sld xmlns:a="http://schemas.openxmlformats.org/drawingml/2006/main" xmlns:r="http://schemas.openxmlformats.org/officeDocument/2006/relationships" xmlns:p="http://schemas.openxmlformats.org/presentationml/2006/main">
   <p:cSld>
     <p:bg>
@@ -16271,7 +16538,7 @@
 </p:sld>
 </file>
 
-<file path=ppt/slides/slide5.xml><?xml version="1.0" encoding="utf-8"?>
+<file path=ppt/slides/slide6.xml><?xml version="1.0" encoding="utf-8"?>
 <p:sld xmlns:a="http://schemas.openxmlformats.org/drawingml/2006/main" xmlns:r="http://schemas.openxmlformats.org/officeDocument/2006/relationships" xmlns:p="http://schemas.openxmlformats.org/presentationml/2006/main">
   <p:cSld>
     <p:bg>
@@ -16693,7 +16960,7 @@
 </p:sld>
 </file>
 
-<file path=ppt/slides/slide6.xml><?xml version="1.0" encoding="utf-8"?>
+<file path=ppt/slides/slide7.xml><?xml version="1.0" encoding="utf-8"?>
 <p:sld xmlns:a="http://schemas.openxmlformats.org/drawingml/2006/main" xmlns:r="http://schemas.openxmlformats.org/officeDocument/2006/relationships" xmlns:p="http://schemas.openxmlformats.org/presentationml/2006/main">
   <p:cSld>
     <p:bg>
@@ -16866,7 +17133,7 @@
 </p:sld>
 </file>
 
-<file path=ppt/slides/slide7.xml><?xml version="1.0" encoding="utf-8"?>
+<file path=ppt/slides/slide8.xml><?xml version="1.0" encoding="utf-8"?>
 <p:sld xmlns:a="http://schemas.openxmlformats.org/drawingml/2006/main" xmlns:r="http://schemas.openxmlformats.org/officeDocument/2006/relationships" xmlns:p="http://schemas.openxmlformats.org/presentationml/2006/main">
   <p:cSld>
     <p:bg>
@@ -17039,7 +17306,7 @@
 </p:sld>
 </file>
 
-<file path=ppt/slides/slide8.xml><?xml version="1.0" encoding="utf-8"?>
+<file path=ppt/slides/slide9.xml><?xml version="1.0" encoding="utf-8"?>
 <p:sld xmlns:a="http://schemas.openxmlformats.org/drawingml/2006/main" xmlns:r="http://schemas.openxmlformats.org/officeDocument/2006/relationships" xmlns:p="http://schemas.openxmlformats.org/presentationml/2006/main">
   <p:cSld>
     <p:bg>
